--- a/samples/server-api-rest/Implemente uma API REST Completa com Delphi MVC Framework - Marcelo Jaloto.pptx
+++ b/samples/server-api-rest/Implemente uma API REST Completa com Delphi MVC Framework - Marcelo Jaloto.pptx
@@ -1268,7 +1268,7 @@
         <p:spPr>
           <a:xfrm>
             <a:off x="383993" y="317979"/>
-            <a:ext cx="2724150" cy="3514725"/>
+            <a:ext cx="2627090" cy="3389497"/>
           </a:xfrm>
           <a:prstGeom prst="rect">
             <a:avLst/>
@@ -1321,7 +1321,7 @@
         </p:nvSpPr>
         <p:spPr>
           <a:xfrm>
-            <a:off x="3836945" y="1812419"/>
+            <a:off x="3670685" y="1704356"/>
             <a:ext cx="4575535" cy="418014"/>
           </a:xfrm>
           <a:prstGeom prst="rect">
@@ -1542,8 +1542,8 @@
         </p:blipFill>
         <p:spPr>
           <a:xfrm>
-            <a:off x="3417273" y="1706257"/>
-            <a:ext cx="419672" cy="419672"/>
+            <a:off x="3259326" y="1695065"/>
+            <a:ext cx="356711" cy="322800"/>
           </a:xfrm>
           <a:prstGeom prst="rect">
             <a:avLst/>
@@ -1566,7 +1566,7 @@
         </p:nvSpPr>
         <p:spPr>
           <a:xfrm>
-            <a:off x="3836943" y="2506411"/>
+            <a:off x="3670683" y="2398348"/>
             <a:ext cx="4575535" cy="418014"/>
           </a:xfrm>
           <a:prstGeom prst="rect">
@@ -1755,8 +1755,13 @@
             </a:pPr>
             <a:r>
               <a:rPr lang="pt-BR" sz="1600" b="1" dirty="0"/>
-              <a:t>https://github.com/marcelojaloto</a:t>
-            </a:r>
+              <a:t>https://</a:t>
+            </a:r>
+            <a:r>
+              <a:rPr lang="pt-BR" sz="1600" b="1" dirty="0" smtClean="0"/>
+              <a:t>www.youtube.com/c/MarceloJaloto</a:t>
+            </a:r>
+            <a:endParaRPr lang="pt-BR" sz="1600" b="1" dirty="0"/>
           </a:p>
         </p:txBody>
       </p:sp>
@@ -1776,7 +1781,7 @@
         </p:nvSpPr>
         <p:spPr>
           <a:xfrm>
-            <a:off x="3836944" y="1119254"/>
+            <a:off x="3670684" y="1011191"/>
             <a:ext cx="4575535" cy="418014"/>
           </a:xfrm>
           <a:prstGeom prst="rect">
@@ -1993,8 +1998,8 @@
         </p:blipFill>
         <p:spPr>
           <a:xfrm>
-            <a:off x="3391147" y="2362721"/>
-            <a:ext cx="484986" cy="484986"/>
+            <a:off x="3242699" y="3014916"/>
+            <a:ext cx="419669" cy="393302"/>
           </a:xfrm>
           <a:prstGeom prst="rect">
             <a:avLst/>
@@ -2023,7 +2028,7 @@
         </p:blipFill>
         <p:spPr>
           <a:xfrm>
-            <a:off x="3439862" y="1049497"/>
+            <a:off x="3240350" y="941434"/>
             <a:ext cx="413496" cy="413496"/>
           </a:xfrm>
           <a:prstGeom prst="rect">
@@ -2075,6 +2080,340 @@
           </a:effectLst>
         </p:spPr>
       </p:pic>
+      <p:sp>
+        <p:nvSpPr>
+          <p:cNvPr id="10" name="Espaço Reservado para Conteúdo 2">
+            <a:extLst>
+              <a:ext uri="{FF2B5EF4-FFF2-40B4-BE49-F238E27FC236}">
+                <a16:creationId xmlns:a16="http://schemas.microsoft.com/office/drawing/2014/main" id="{BFC59A1B-D378-471B-8FD3-40615D84D8E2}"/>
+              </a:ext>
+            </a:extLst>
+          </p:cNvPr>
+          <p:cNvSpPr txBox="1">
+            <a:spLocks/>
+          </p:cNvSpPr>
+          <p:nvPr/>
+        </p:nvSpPr>
+        <p:spPr>
+          <a:xfrm>
+            <a:off x="3670682" y="3092340"/>
+            <a:ext cx="4575535" cy="418014"/>
+          </a:xfrm>
+          <a:prstGeom prst="rect">
+            <a:avLst/>
+          </a:prstGeom>
+        </p:spPr>
+        <p:txBody>
+          <a:bodyPr>
+            <a:normAutofit/>
+          </a:bodyPr>
+          <a:lstStyle>
+            <a:lvl1pPr marL="228600" indent="-228600" algn="l" defTabSz="914400" rtl="0" eaLnBrk="1" latinLnBrk="0" hangingPunct="1">
+              <a:lnSpc>
+                <a:spcPct val="90000"/>
+              </a:lnSpc>
+              <a:spcBef>
+                <a:spcPts val="1000"/>
+              </a:spcBef>
+              <a:buClr>
+                <a:srgbClr val="12B1EB"/>
+              </a:buClr>
+              <a:buFont typeface="Arial" panose="020B0604020202020204" pitchFamily="34" charset="0"/>
+              <a:buChar char="•"/>
+              <a:defRPr sz="1800" b="0" kern="1200">
+                <a:solidFill>
+                  <a:schemeClr val="accent3">
+                    <a:lumMod val="50000"/>
+                  </a:schemeClr>
+                </a:solidFill>
+                <a:latin typeface="Century Gothic" panose="020B0502020202020204" pitchFamily="34" charset="0"/>
+                <a:ea typeface="+mn-ea"/>
+                <a:cs typeface="+mn-cs"/>
+              </a:defRPr>
+            </a:lvl1pPr>
+            <a:lvl2pPr marL="457200" indent="0" algn="l" defTabSz="914400" rtl="0" eaLnBrk="1" latinLnBrk="0" hangingPunct="1">
+              <a:lnSpc>
+                <a:spcPct val="90000"/>
+              </a:lnSpc>
+              <a:spcBef>
+                <a:spcPts val="500"/>
+              </a:spcBef>
+              <a:buClr>
+                <a:srgbClr val="12B1EB"/>
+              </a:buClr>
+              <a:buFont typeface="Arial" panose="020B0604020202020204" pitchFamily="34" charset="0"/>
+              <a:buNone/>
+              <a:defRPr sz="1800" kern="1200">
+                <a:solidFill>
+                  <a:schemeClr val="tx1"/>
+                </a:solidFill>
+                <a:latin typeface="Century Gothic" panose="020B0502020202020204" pitchFamily="34" charset="0"/>
+                <a:ea typeface="+mn-ea"/>
+                <a:cs typeface="+mn-cs"/>
+              </a:defRPr>
+            </a:lvl2pPr>
+            <a:lvl3pPr marL="1143000" indent="-228600" algn="l" defTabSz="914400" rtl="0" eaLnBrk="1" latinLnBrk="0" hangingPunct="1">
+              <a:lnSpc>
+                <a:spcPct val="90000"/>
+              </a:lnSpc>
+              <a:spcBef>
+                <a:spcPts val="500"/>
+              </a:spcBef>
+              <a:buFont typeface="Arial" panose="020B0604020202020204" pitchFamily="34" charset="0"/>
+              <a:buChar char="•"/>
+              <a:defRPr sz="2000" kern="1200">
+                <a:solidFill>
+                  <a:schemeClr val="tx1"/>
+                </a:solidFill>
+                <a:latin typeface="+mn-lt"/>
+                <a:ea typeface="+mn-ea"/>
+                <a:cs typeface="+mn-cs"/>
+              </a:defRPr>
+            </a:lvl3pPr>
+            <a:lvl4pPr marL="1600200" indent="-228600" algn="l" defTabSz="914400" rtl="0" eaLnBrk="1" latinLnBrk="0" hangingPunct="1">
+              <a:lnSpc>
+                <a:spcPct val="90000"/>
+              </a:lnSpc>
+              <a:spcBef>
+                <a:spcPts val="500"/>
+              </a:spcBef>
+              <a:buFont typeface="Arial" panose="020B0604020202020204" pitchFamily="34" charset="0"/>
+              <a:buChar char="•"/>
+              <a:defRPr sz="1800" kern="1200">
+                <a:solidFill>
+                  <a:schemeClr val="tx1"/>
+                </a:solidFill>
+                <a:latin typeface="+mn-lt"/>
+                <a:ea typeface="+mn-ea"/>
+                <a:cs typeface="+mn-cs"/>
+              </a:defRPr>
+            </a:lvl4pPr>
+            <a:lvl5pPr marL="2057400" indent="-228600" algn="l" defTabSz="914400" rtl="0" eaLnBrk="1" latinLnBrk="0" hangingPunct="1">
+              <a:lnSpc>
+                <a:spcPct val="90000"/>
+              </a:lnSpc>
+              <a:spcBef>
+                <a:spcPts val="500"/>
+              </a:spcBef>
+              <a:buFont typeface="Arial" panose="020B0604020202020204" pitchFamily="34" charset="0"/>
+              <a:buChar char="•"/>
+              <a:defRPr sz="1800" kern="1200">
+                <a:solidFill>
+                  <a:schemeClr val="tx1"/>
+                </a:solidFill>
+                <a:latin typeface="+mn-lt"/>
+                <a:ea typeface="+mn-ea"/>
+                <a:cs typeface="+mn-cs"/>
+              </a:defRPr>
+            </a:lvl5pPr>
+            <a:lvl6pPr marL="2514600" indent="-228600" algn="l" defTabSz="914400" rtl="0" eaLnBrk="1" latinLnBrk="0" hangingPunct="1">
+              <a:lnSpc>
+                <a:spcPct val="90000"/>
+              </a:lnSpc>
+              <a:spcBef>
+                <a:spcPts val="500"/>
+              </a:spcBef>
+              <a:buFont typeface="Arial" panose="020B0604020202020204" pitchFamily="34" charset="0"/>
+              <a:buChar char="•"/>
+              <a:defRPr sz="1800" kern="1200">
+                <a:solidFill>
+                  <a:schemeClr val="tx1"/>
+                </a:solidFill>
+                <a:latin typeface="+mn-lt"/>
+                <a:ea typeface="+mn-ea"/>
+                <a:cs typeface="+mn-cs"/>
+              </a:defRPr>
+            </a:lvl6pPr>
+            <a:lvl7pPr marL="2971800" indent="-228600" algn="l" defTabSz="914400" rtl="0" eaLnBrk="1" latinLnBrk="0" hangingPunct="1">
+              <a:lnSpc>
+                <a:spcPct val="90000"/>
+              </a:lnSpc>
+              <a:spcBef>
+                <a:spcPts val="500"/>
+              </a:spcBef>
+              <a:buFont typeface="Arial" panose="020B0604020202020204" pitchFamily="34" charset="0"/>
+              <a:buChar char="•"/>
+              <a:defRPr sz="1800" kern="1200">
+                <a:solidFill>
+                  <a:schemeClr val="tx1"/>
+                </a:solidFill>
+                <a:latin typeface="+mn-lt"/>
+                <a:ea typeface="+mn-ea"/>
+                <a:cs typeface="+mn-cs"/>
+              </a:defRPr>
+            </a:lvl7pPr>
+            <a:lvl8pPr marL="3429000" indent="-228600" algn="l" defTabSz="914400" rtl="0" eaLnBrk="1" latinLnBrk="0" hangingPunct="1">
+              <a:lnSpc>
+                <a:spcPct val="90000"/>
+              </a:lnSpc>
+              <a:spcBef>
+                <a:spcPts val="500"/>
+              </a:spcBef>
+              <a:buFont typeface="Arial" panose="020B0604020202020204" pitchFamily="34" charset="0"/>
+              <a:buChar char="•"/>
+              <a:defRPr sz="1800" kern="1200">
+                <a:solidFill>
+                  <a:schemeClr val="tx1"/>
+                </a:solidFill>
+                <a:latin typeface="+mn-lt"/>
+                <a:ea typeface="+mn-ea"/>
+                <a:cs typeface="+mn-cs"/>
+              </a:defRPr>
+            </a:lvl8pPr>
+            <a:lvl9pPr marL="3886200" indent="-228600" algn="l" defTabSz="914400" rtl="0" eaLnBrk="1" latinLnBrk="0" hangingPunct="1">
+              <a:lnSpc>
+                <a:spcPct val="90000"/>
+              </a:lnSpc>
+              <a:spcBef>
+                <a:spcPts val="500"/>
+              </a:spcBef>
+              <a:buFont typeface="Arial" panose="020B0604020202020204" pitchFamily="34" charset="0"/>
+              <a:buChar char="•"/>
+              <a:defRPr sz="1800" kern="1200">
+                <a:solidFill>
+                  <a:schemeClr val="tx1"/>
+                </a:solidFill>
+                <a:latin typeface="+mn-lt"/>
+                <a:ea typeface="+mn-ea"/>
+                <a:cs typeface="+mn-cs"/>
+              </a:defRPr>
+            </a:lvl9pPr>
+          </a:lstStyle>
+          <a:p>
+            <a:pPr marL="0" indent="0">
+              <a:buNone/>
+            </a:pPr>
+            <a:r>
+              <a:rPr lang="pt-BR" sz="1600" b="1" dirty="0"/>
+              <a:t>https://</a:t>
+            </a:r>
+            <a:r>
+              <a:rPr lang="pt-BR" sz="1600" b="1" dirty="0" smtClean="0"/>
+              <a:t>github.com/marcelojaloto</a:t>
+            </a:r>
+            <a:endParaRPr lang="pt-BR" sz="1600" b="1" dirty="0"/>
+          </a:p>
+        </p:txBody>
+      </p:sp>
+      <p:pic>
+        <p:nvPicPr>
+          <p:cNvPr id="12" name="Picture 2" descr="YouTube - TecMundo"/>
+          <p:cNvPicPr>
+            <a:picLocks noChangeAspect="1" noChangeArrowheads="1"/>
+          </p:cNvPicPr>
+          <p:nvPr/>
+        </p:nvPicPr>
+        <p:blipFill>
+          <a:blip r:embed="rId7" cstate="hqprint">
+            <a:extLst>
+              <a:ext uri="{28A0092B-C50C-407E-A947-70E740481C1C}">
+                <a14:useLocalDpi xmlns:a14="http://schemas.microsoft.com/office/drawing/2010/main" val="0"/>
+              </a:ext>
+            </a:extLst>
+          </a:blip>
+          <a:srcRect/>
+          <a:stretch>
+            <a:fillRect/>
+          </a:stretch>
+        </p:blipFill>
+        <p:spPr bwMode="auto">
+          <a:xfrm>
+            <a:off x="2934393" y="2208107"/>
+            <a:ext cx="1012130" cy="693992"/>
+          </a:xfrm>
+          <a:prstGeom prst="rect">
+            <a:avLst/>
+          </a:prstGeom>
+          <a:noFill/>
+          <a:extLst>
+            <a:ext uri="{909E8E84-426E-40DD-AFC4-6F175D3DCCD1}">
+              <a14:hiddenFill xmlns:a14="http://schemas.microsoft.com/office/drawing/2010/main">
+                <a:solidFill>
+                  <a:srgbClr val="FFFFFF"/>
+                </a:solidFill>
+              </a14:hiddenFill>
+            </a:ext>
+          </a:extLst>
+        </p:spPr>
+      </p:pic>
+      <p:sp>
+        <p:nvSpPr>
+          <p:cNvPr id="13" name="Título 1">
+            <a:extLst>
+              <a:ext uri="{FF2B5EF4-FFF2-40B4-BE49-F238E27FC236}">
+                <a16:creationId xmlns:a16="http://schemas.microsoft.com/office/drawing/2014/main" id="{858AF4F4-6BA4-46DA-BD44-B2171C092AD3}"/>
+              </a:ext>
+            </a:extLst>
+          </p:cNvPr>
+          <p:cNvSpPr txBox="1">
+            <a:spLocks/>
+          </p:cNvSpPr>
+          <p:nvPr/>
+        </p:nvSpPr>
+        <p:spPr>
+          <a:xfrm>
+            <a:off x="315883" y="3782293"/>
+            <a:ext cx="2695199" cy="457200"/>
+          </a:xfrm>
+          <a:prstGeom prst="rect">
+            <a:avLst/>
+          </a:prstGeom>
+        </p:spPr>
+        <p:txBody>
+          <a:bodyPr anchor="b">
+            <a:noAutofit/>
+          </a:bodyPr>
+          <a:lstStyle>
+            <a:lvl1pPr algn="l" defTabSz="914400" rtl="0" eaLnBrk="1" latinLnBrk="0" hangingPunct="1">
+              <a:lnSpc>
+                <a:spcPct val="90000"/>
+              </a:lnSpc>
+              <a:spcBef>
+                <a:spcPct val="0"/>
+              </a:spcBef>
+              <a:buNone/>
+              <a:defRPr sz="5000" b="1" kern="1200">
+                <a:solidFill>
+                  <a:srgbClr val="12B1EB"/>
+                </a:solidFill>
+                <a:latin typeface="Century Gothic" panose="020B0502020202020204" pitchFamily="34" charset="0"/>
+                <a:ea typeface="+mj-ea"/>
+                <a:cs typeface="+mj-cs"/>
+              </a:defRPr>
+            </a:lvl1pPr>
+          </a:lstStyle>
+          <a:p>
+            <a:pPr algn="ctr"/>
+            <a:r>
+              <a:rPr lang="pt-BR" sz="2400" dirty="0" smtClean="0">
+                <a:solidFill>
+                  <a:srgbClr val="FF0000"/>
+                </a:solidFill>
+                <a:effectLst>
+                  <a:outerShdw blurRad="38100" dist="38100" dir="2700000" algn="tl">
+                    <a:srgbClr val="000000">
+                      <a:alpha val="43137"/>
+                    </a:srgbClr>
+                  </a:outerShdw>
+                </a:effectLst>
+              </a:rPr>
+              <a:t>Marcelo Jaloto</a:t>
+            </a:r>
+            <a:endParaRPr lang="pt-BR" sz="2400" dirty="0">
+              <a:solidFill>
+                <a:srgbClr val="FF0000"/>
+              </a:solidFill>
+              <a:effectLst>
+                <a:outerShdw blurRad="38100" dist="38100" dir="2700000" algn="tl">
+                  <a:srgbClr val="000000">
+                    <a:alpha val="43137"/>
+                  </a:srgbClr>
+                </a:outerShdw>
+              </a:effectLst>
+            </a:endParaRPr>
+          </a:p>
+        </p:txBody>
+      </p:sp>
     </p:spTree>
     <p:extLst>
       <p:ext uri="{BB962C8B-B14F-4D97-AF65-F5344CB8AC3E}">
@@ -2085,6 +2424,13 @@
   <p:clrMapOvr>
     <a:masterClrMapping/>
   </p:clrMapOvr>
+  <p:timing>
+    <p:tnLst>
+      <p:par>
+        <p:cTn id="1" dur="indefinite" restart="never" nodeType="tmRoot"/>
+      </p:par>
+    </p:tnLst>
+  </p:timing>
 </p:sld>
 </file>
 
@@ -2913,115 +3259,21 @@
               <a:rPr lang="pt-BR" sz="3600" dirty="0" smtClean="0"/>
               <a:t>Implemente uma </a:t>
             </a:r>
-            <a:r>
-              <a:rPr lang="pt-BR" sz="3600" dirty="0" smtClean="0"/>
-              <a:t/>
-            </a:r>
             <a:br>
               <a:rPr lang="pt-BR" sz="3600" dirty="0" smtClean="0"/>
             </a:br>
             <a:r>
               <a:rPr lang="pt-BR" sz="3600" dirty="0" smtClean="0"/>
-              <a:t>API </a:t>
-            </a:r>
-            <a:r>
-              <a:rPr lang="pt-BR" sz="3600" dirty="0" smtClean="0"/>
-              <a:t>REST Completa com </a:t>
-            </a:r>
-            <a:r>
-              <a:rPr lang="pt-BR" sz="3600" dirty="0" smtClean="0"/>
-              <a:t/>
+              <a:t>API REST Completa com </a:t>
             </a:r>
             <a:br>
               <a:rPr lang="pt-BR" sz="3600" dirty="0" smtClean="0"/>
             </a:br>
             <a:r>
               <a:rPr lang="pt-BR" sz="3600" dirty="0" smtClean="0"/>
-              <a:t>Delphi </a:t>
-            </a:r>
-            <a:r>
-              <a:rPr lang="pt-BR" sz="3600" dirty="0" smtClean="0"/>
-              <a:t>MVC Framework</a:t>
+              <a:t>Delphi MVC Framework</a:t>
             </a:r>
             <a:endParaRPr lang="pt-BR" sz="3600" dirty="0"/>
-          </a:p>
-        </p:txBody>
-      </p:sp>
-      <p:sp>
-        <p:nvSpPr>
-          <p:cNvPr id="3" name="Título 1">
-            <a:extLst>
-              <a:ext uri="{FF2B5EF4-FFF2-40B4-BE49-F238E27FC236}">
-                <a16:creationId xmlns:a16="http://schemas.microsoft.com/office/drawing/2014/main" id="{858AF4F4-6BA4-46DA-BD44-B2171C092AD3}"/>
-              </a:ext>
-            </a:extLst>
-          </p:cNvPr>
-          <p:cNvSpPr txBox="1">
-            <a:spLocks/>
-          </p:cNvSpPr>
-          <p:nvPr/>
-        </p:nvSpPr>
-        <p:spPr>
-          <a:xfrm>
-            <a:off x="9344296" y="6400800"/>
-            <a:ext cx="2847704" cy="457200"/>
-          </a:xfrm>
-          <a:prstGeom prst="rect">
-            <a:avLst/>
-          </a:prstGeom>
-        </p:spPr>
-        <p:txBody>
-          <a:bodyPr anchor="b">
-            <a:noAutofit/>
-          </a:bodyPr>
-          <a:lstStyle>
-            <a:lvl1pPr algn="l" defTabSz="914400" rtl="0" eaLnBrk="1" latinLnBrk="0" hangingPunct="1">
-              <a:lnSpc>
-                <a:spcPct val="90000"/>
-              </a:lnSpc>
-              <a:spcBef>
-                <a:spcPct val="0"/>
-              </a:spcBef>
-              <a:buNone/>
-              <a:defRPr sz="5000" b="1" kern="1200">
-                <a:solidFill>
-                  <a:srgbClr val="12B1EB"/>
-                </a:solidFill>
-                <a:latin typeface="Century Gothic" panose="020B0502020202020204" pitchFamily="34" charset="0"/>
-                <a:ea typeface="+mj-ea"/>
-                <a:cs typeface="+mj-cs"/>
-              </a:defRPr>
-            </a:lvl1pPr>
-          </a:lstStyle>
-          <a:p>
-            <a:pPr algn="r"/>
-            <a:r>
-              <a:rPr lang="pt-BR" sz="2400" dirty="0" smtClean="0">
-                <a:solidFill>
-                  <a:srgbClr val="FF0000"/>
-                </a:solidFill>
-                <a:effectLst>
-                  <a:outerShdw blurRad="38100" dist="38100" dir="2700000" algn="tl">
-                    <a:srgbClr val="000000">
-                      <a:alpha val="43137"/>
-                    </a:srgbClr>
-                  </a:outerShdw>
-                </a:effectLst>
-              </a:rPr>
-              <a:t>Marcelo Jaloto</a:t>
-            </a:r>
-            <a:endParaRPr lang="pt-BR" sz="2400" dirty="0">
-              <a:solidFill>
-                <a:srgbClr val="FF0000"/>
-              </a:solidFill>
-              <a:effectLst>
-                <a:outerShdw blurRad="38100" dist="38100" dir="2700000" algn="tl">
-                  <a:srgbClr val="000000">
-                    <a:alpha val="43137"/>
-                  </a:srgbClr>
-                </a:outerShdw>
-              </a:effectLst>
-            </a:endParaRPr>
           </a:p>
         </p:txBody>
       </p:sp>
@@ -3217,21 +3469,13 @@
           <a:p>
             <a:r>
               <a:rPr lang="pt-BR" dirty="0" smtClean="0"/>
-              <a:t>Delphi </a:t>
-            </a:r>
-            <a:r>
-              <a:rPr lang="pt-BR" dirty="0" smtClean="0"/>
-              <a:t>MVC Framework</a:t>
+              <a:t>Delphi MVC Framework</a:t>
             </a:r>
           </a:p>
           <a:p>
             <a:r>
               <a:rPr lang="pt-BR" dirty="0" smtClean="0"/>
-              <a:t>Exemplo API </a:t>
-            </a:r>
-            <a:r>
-              <a:rPr lang="pt-BR" dirty="0" smtClean="0"/>
-              <a:t>REST</a:t>
+              <a:t>Exemplo API REST</a:t>
             </a:r>
           </a:p>
           <a:p>
@@ -3242,43 +3486,33 @@
             <a:r>
               <a:rPr lang="pt-BR" dirty="0" smtClean="0"/>
               <a:t>Servidor</a:t>
+            </a:r>
+          </a:p>
+          <a:p>
+            <a:r>
+              <a:rPr lang="pt-BR" dirty="0"/>
+              <a:t>Autenticação com </a:t>
+            </a:r>
+            <a:r>
+              <a:rPr lang="pt-BR" dirty="0" smtClean="0"/>
+              <a:t>JWT</a:t>
+            </a:r>
+          </a:p>
+          <a:p>
+            <a:r>
+              <a:rPr lang="pt-BR" dirty="0" smtClean="0"/>
+              <a:t>Persistência com ORM em </a:t>
+            </a:r>
+            <a:r>
+              <a:rPr lang="pt-BR" dirty="0" err="1" smtClean="0"/>
+              <a:t>Postgres</a:t>
             </a:r>
             <a:endParaRPr lang="pt-BR" dirty="0" smtClean="0"/>
           </a:p>
           <a:p>
             <a:r>
-              <a:rPr lang="pt-BR" dirty="0"/>
-              <a:t>Autenticação com </a:t>
-            </a:r>
-            <a:r>
               <a:rPr lang="pt-BR" dirty="0" smtClean="0"/>
-              <a:t>JWT</a:t>
-            </a:r>
-            <a:endParaRPr lang="pt-BR" dirty="0" smtClean="0"/>
-          </a:p>
-          <a:p>
-            <a:r>
-              <a:rPr lang="pt-BR" dirty="0" smtClean="0"/>
-              <a:t>Persistência com ORM em </a:t>
-            </a:r>
-            <a:r>
-              <a:rPr lang="pt-BR" dirty="0" err="1" smtClean="0"/>
-              <a:t>Postgres</a:t>
-            </a:r>
-            <a:endParaRPr lang="pt-BR" dirty="0" smtClean="0"/>
-          </a:p>
-          <a:p>
-            <a:r>
-              <a:rPr lang="pt-BR" dirty="0" smtClean="0"/>
-              <a:t>Testes </a:t>
-            </a:r>
-            <a:r>
-              <a:rPr lang="pt-BR" dirty="0" smtClean="0"/>
-              <a:t>e Documentação </a:t>
-            </a:r>
-            <a:r>
-              <a:rPr lang="pt-BR" dirty="0" smtClean="0"/>
-              <a:t>Swagger</a:t>
+              <a:t>Testes e Documentação Swagger</a:t>
             </a:r>
           </a:p>
           <a:p>
@@ -3349,6 +3583,84 @@
               <a:solidFill>
                 <a:schemeClr val="tx1"/>
               </a:solidFill>
+            </a:endParaRPr>
+          </a:p>
+        </p:txBody>
+      </p:sp>
+      <p:sp>
+        <p:nvSpPr>
+          <p:cNvPr id="6" name="Título 1">
+            <a:extLst>
+              <a:ext uri="{FF2B5EF4-FFF2-40B4-BE49-F238E27FC236}">
+                <a16:creationId xmlns:a16="http://schemas.microsoft.com/office/drawing/2014/main" id="{858AF4F4-6BA4-46DA-BD44-B2171C092AD3}"/>
+              </a:ext>
+            </a:extLst>
+          </p:cNvPr>
+          <p:cNvSpPr txBox="1">
+            <a:spLocks/>
+          </p:cNvSpPr>
+          <p:nvPr/>
+        </p:nvSpPr>
+        <p:spPr>
+          <a:xfrm>
+            <a:off x="6941916" y="6450678"/>
+            <a:ext cx="2847704" cy="457200"/>
+          </a:xfrm>
+          <a:prstGeom prst="rect">
+            <a:avLst/>
+          </a:prstGeom>
+        </p:spPr>
+        <p:txBody>
+          <a:bodyPr anchor="b">
+            <a:noAutofit/>
+          </a:bodyPr>
+          <a:lstStyle>
+            <a:lvl1pPr algn="l" defTabSz="914400" rtl="0" eaLnBrk="1" latinLnBrk="0" hangingPunct="1">
+              <a:lnSpc>
+                <a:spcPct val="90000"/>
+              </a:lnSpc>
+              <a:spcBef>
+                <a:spcPct val="0"/>
+              </a:spcBef>
+              <a:buNone/>
+              <a:defRPr sz="5000" b="1" kern="1200">
+                <a:solidFill>
+                  <a:srgbClr val="12B1EB"/>
+                </a:solidFill>
+                <a:latin typeface="Century Gothic" panose="020B0502020202020204" pitchFamily="34" charset="0"/>
+                <a:ea typeface="+mj-ea"/>
+                <a:cs typeface="+mj-cs"/>
+              </a:defRPr>
+            </a:lvl1pPr>
+          </a:lstStyle>
+          <a:p>
+            <a:pPr algn="r"/>
+            <a:r>
+              <a:rPr lang="pt-BR" sz="2400" dirty="0" smtClean="0">
+                <a:solidFill>
+                  <a:srgbClr val="FF0000"/>
+                </a:solidFill>
+                <a:effectLst>
+                  <a:outerShdw blurRad="38100" dist="38100" dir="2700000" algn="tl">
+                    <a:srgbClr val="000000">
+                      <a:alpha val="43137"/>
+                    </a:srgbClr>
+                  </a:outerShdw>
+                </a:effectLst>
+              </a:rPr>
+              <a:t>Marcelo Jaloto</a:t>
+            </a:r>
+            <a:endParaRPr lang="pt-BR" sz="2400" dirty="0">
+              <a:solidFill>
+                <a:srgbClr val="FF0000"/>
+              </a:solidFill>
+              <a:effectLst>
+                <a:outerShdw blurRad="38100" dist="38100" dir="2700000" algn="tl">
+                  <a:srgbClr val="000000">
+                    <a:alpha val="43137"/>
+                  </a:srgbClr>
+                </a:outerShdw>
+              </a:effectLst>
             </a:endParaRPr>
           </a:p>
         </p:txBody>
@@ -3628,7 +3940,6 @@
               <a:rPr lang="pt-BR" sz="1600" b="1" dirty="0"/>
               <a:t>https://github.com/danieleteti/delphimvcframework</a:t>
             </a:r>
-            <a:endParaRPr lang="pt-BR" sz="1600" b="1" dirty="0"/>
           </a:p>
         </p:txBody>
       </p:sp>
@@ -3878,11 +4189,7 @@
           <a:p>
             <a:r>
               <a:rPr lang="pt-BR" dirty="0" smtClean="0"/>
-              <a:t>Implemente sua API REST</a:t>
-            </a:r>
-            <a:r>
-              <a:rPr lang="pt-BR" dirty="0" smtClean="0"/>
-              <a:t>;</a:t>
+              <a:t>Implemente sua API REST;</a:t>
             </a:r>
           </a:p>
           <a:p>
@@ -3899,6 +4206,84 @@
           </a:p>
           <a:p>
             <a:endParaRPr lang="pt-BR" dirty="0"/>
+          </a:p>
+        </p:txBody>
+      </p:sp>
+      <p:sp>
+        <p:nvSpPr>
+          <p:cNvPr id="9" name="Título 1">
+            <a:extLst>
+              <a:ext uri="{FF2B5EF4-FFF2-40B4-BE49-F238E27FC236}">
+                <a16:creationId xmlns:a16="http://schemas.microsoft.com/office/drawing/2014/main" id="{858AF4F4-6BA4-46DA-BD44-B2171C092AD3}"/>
+              </a:ext>
+            </a:extLst>
+          </p:cNvPr>
+          <p:cNvSpPr txBox="1">
+            <a:spLocks/>
+          </p:cNvSpPr>
+          <p:nvPr/>
+        </p:nvSpPr>
+        <p:spPr>
+          <a:xfrm>
+            <a:off x="6941916" y="6450678"/>
+            <a:ext cx="2847704" cy="457200"/>
+          </a:xfrm>
+          <a:prstGeom prst="rect">
+            <a:avLst/>
+          </a:prstGeom>
+        </p:spPr>
+        <p:txBody>
+          <a:bodyPr anchor="b">
+            <a:noAutofit/>
+          </a:bodyPr>
+          <a:lstStyle>
+            <a:lvl1pPr algn="l" defTabSz="914400" rtl="0" eaLnBrk="1" latinLnBrk="0" hangingPunct="1">
+              <a:lnSpc>
+                <a:spcPct val="90000"/>
+              </a:lnSpc>
+              <a:spcBef>
+                <a:spcPct val="0"/>
+              </a:spcBef>
+              <a:buNone/>
+              <a:defRPr sz="5000" b="1" kern="1200">
+                <a:solidFill>
+                  <a:srgbClr val="12B1EB"/>
+                </a:solidFill>
+                <a:latin typeface="Century Gothic" panose="020B0502020202020204" pitchFamily="34" charset="0"/>
+                <a:ea typeface="+mj-ea"/>
+                <a:cs typeface="+mj-cs"/>
+              </a:defRPr>
+            </a:lvl1pPr>
+          </a:lstStyle>
+          <a:p>
+            <a:pPr algn="r"/>
+            <a:r>
+              <a:rPr lang="pt-BR" sz="2400" dirty="0" smtClean="0">
+                <a:solidFill>
+                  <a:srgbClr val="FF0000"/>
+                </a:solidFill>
+                <a:effectLst>
+                  <a:outerShdw blurRad="38100" dist="38100" dir="2700000" algn="tl">
+                    <a:srgbClr val="000000">
+                      <a:alpha val="43137"/>
+                    </a:srgbClr>
+                  </a:outerShdw>
+                </a:effectLst>
+              </a:rPr>
+              <a:t>Marcelo Jaloto</a:t>
+            </a:r>
+            <a:endParaRPr lang="pt-BR" sz="2400" dirty="0">
+              <a:solidFill>
+                <a:srgbClr val="FF0000"/>
+              </a:solidFill>
+              <a:effectLst>
+                <a:outerShdw blurRad="38100" dist="38100" dir="2700000" algn="tl">
+                  <a:srgbClr val="000000">
+                    <a:alpha val="43137"/>
+                  </a:srgbClr>
+                </a:outerShdw>
+              </a:effectLst>
+            </a:endParaRPr>
           </a:p>
         </p:txBody>
       </p:sp>
@@ -4183,13 +4568,8 @@
             </a:pPr>
             <a:r>
               <a:rPr lang="pt-BR" sz="1600" b="1" dirty="0"/>
-              <a:t>https://</a:t>
-            </a:r>
-            <a:r>
-              <a:rPr lang="pt-BR" sz="1600" b="1" dirty="0"/>
-              <a:t>github.com/marcelojaloto/Delphi/tree/master/samples/server-api-rest</a:t>
-            </a:r>
-            <a:endParaRPr lang="pt-BR" sz="1600" b="1" dirty="0"/>
+              <a:t>https://github.com/marcelojaloto/Delphi/tree/master/samples/server-api-rest</a:t>
+            </a:r>
           </a:p>
         </p:txBody>
       </p:sp>
@@ -4247,6 +4627,84 @@
           </a:prstGeom>
         </p:spPr>
       </p:pic>
+      <p:sp>
+        <p:nvSpPr>
+          <p:cNvPr id="7" name="Título 1">
+            <a:extLst>
+              <a:ext uri="{FF2B5EF4-FFF2-40B4-BE49-F238E27FC236}">
+                <a16:creationId xmlns:a16="http://schemas.microsoft.com/office/drawing/2014/main" id="{858AF4F4-6BA4-46DA-BD44-B2171C092AD3}"/>
+              </a:ext>
+            </a:extLst>
+          </p:cNvPr>
+          <p:cNvSpPr txBox="1">
+            <a:spLocks/>
+          </p:cNvSpPr>
+          <p:nvPr/>
+        </p:nvSpPr>
+        <p:spPr>
+          <a:xfrm>
+            <a:off x="6941916" y="6450678"/>
+            <a:ext cx="2847704" cy="457200"/>
+          </a:xfrm>
+          <a:prstGeom prst="rect">
+            <a:avLst/>
+          </a:prstGeom>
+        </p:spPr>
+        <p:txBody>
+          <a:bodyPr anchor="b">
+            <a:noAutofit/>
+          </a:bodyPr>
+          <a:lstStyle>
+            <a:lvl1pPr algn="l" defTabSz="914400" rtl="0" eaLnBrk="1" latinLnBrk="0" hangingPunct="1">
+              <a:lnSpc>
+                <a:spcPct val="90000"/>
+              </a:lnSpc>
+              <a:spcBef>
+                <a:spcPct val="0"/>
+              </a:spcBef>
+              <a:buNone/>
+              <a:defRPr sz="5000" b="1" kern="1200">
+                <a:solidFill>
+                  <a:srgbClr val="12B1EB"/>
+                </a:solidFill>
+                <a:latin typeface="Century Gothic" panose="020B0502020202020204" pitchFamily="34" charset="0"/>
+                <a:ea typeface="+mj-ea"/>
+                <a:cs typeface="+mj-cs"/>
+              </a:defRPr>
+            </a:lvl1pPr>
+          </a:lstStyle>
+          <a:p>
+            <a:pPr algn="r"/>
+            <a:r>
+              <a:rPr lang="pt-BR" sz="2400" dirty="0" smtClean="0">
+                <a:solidFill>
+                  <a:srgbClr val="FF0000"/>
+                </a:solidFill>
+                <a:effectLst>
+                  <a:outerShdw blurRad="38100" dist="38100" dir="2700000" algn="tl">
+                    <a:srgbClr val="000000">
+                      <a:alpha val="43137"/>
+                    </a:srgbClr>
+                  </a:outerShdw>
+                </a:effectLst>
+              </a:rPr>
+              <a:t>Marcelo Jaloto</a:t>
+            </a:r>
+            <a:endParaRPr lang="pt-BR" sz="2400" dirty="0">
+              <a:solidFill>
+                <a:srgbClr val="FF0000"/>
+              </a:solidFill>
+              <a:effectLst>
+                <a:outerShdw blurRad="38100" dist="38100" dir="2700000" algn="tl">
+                  <a:srgbClr val="000000">
+                    <a:alpha val="43137"/>
+                  </a:srgbClr>
+                </a:outerShdw>
+              </a:effectLst>
+            </a:endParaRPr>
+          </a:p>
+        </p:txBody>
+      </p:sp>
     </p:spTree>
     <p:extLst>
       <p:ext uri="{BB962C8B-B14F-4D97-AF65-F5344CB8AC3E}">
@@ -4531,7 +4989,6 @@
               <a:rPr lang="pt-BR" sz="1600" b="1" dirty="0"/>
               <a:t>://localhost:8088/api/help/index.html</a:t>
             </a:r>
-            <a:endParaRPr lang="pt-BR" sz="1600" b="1" dirty="0"/>
           </a:p>
         </p:txBody>
       </p:sp>
@@ -4774,6 +5231,84 @@
               <a:t>;</a:t>
             </a:r>
             <a:endParaRPr lang="pt-BR" dirty="0"/>
+          </a:p>
+        </p:txBody>
+      </p:sp>
+      <p:sp>
+        <p:nvSpPr>
+          <p:cNvPr id="6" name="Título 1">
+            <a:extLst>
+              <a:ext uri="{FF2B5EF4-FFF2-40B4-BE49-F238E27FC236}">
+                <a16:creationId xmlns:a16="http://schemas.microsoft.com/office/drawing/2014/main" id="{858AF4F4-6BA4-46DA-BD44-B2171C092AD3}"/>
+              </a:ext>
+            </a:extLst>
+          </p:cNvPr>
+          <p:cNvSpPr txBox="1">
+            <a:spLocks/>
+          </p:cNvSpPr>
+          <p:nvPr/>
+        </p:nvSpPr>
+        <p:spPr>
+          <a:xfrm>
+            <a:off x="6941916" y="6450678"/>
+            <a:ext cx="2847704" cy="457200"/>
+          </a:xfrm>
+          <a:prstGeom prst="rect">
+            <a:avLst/>
+          </a:prstGeom>
+        </p:spPr>
+        <p:txBody>
+          <a:bodyPr anchor="b">
+            <a:noAutofit/>
+          </a:bodyPr>
+          <a:lstStyle>
+            <a:lvl1pPr algn="l" defTabSz="914400" rtl="0" eaLnBrk="1" latinLnBrk="0" hangingPunct="1">
+              <a:lnSpc>
+                <a:spcPct val="90000"/>
+              </a:lnSpc>
+              <a:spcBef>
+                <a:spcPct val="0"/>
+              </a:spcBef>
+              <a:buNone/>
+              <a:defRPr sz="5000" b="1" kern="1200">
+                <a:solidFill>
+                  <a:srgbClr val="12B1EB"/>
+                </a:solidFill>
+                <a:latin typeface="Century Gothic" panose="020B0502020202020204" pitchFamily="34" charset="0"/>
+                <a:ea typeface="+mj-ea"/>
+                <a:cs typeface="+mj-cs"/>
+              </a:defRPr>
+            </a:lvl1pPr>
+          </a:lstStyle>
+          <a:p>
+            <a:pPr algn="r"/>
+            <a:r>
+              <a:rPr lang="pt-BR" sz="2400" dirty="0" smtClean="0">
+                <a:solidFill>
+                  <a:srgbClr val="FF0000"/>
+                </a:solidFill>
+                <a:effectLst>
+                  <a:outerShdw blurRad="38100" dist="38100" dir="2700000" algn="tl">
+                    <a:srgbClr val="000000">
+                      <a:alpha val="43137"/>
+                    </a:srgbClr>
+                  </a:outerShdw>
+                </a:effectLst>
+              </a:rPr>
+              <a:t>Marcelo Jaloto</a:t>
+            </a:r>
+            <a:endParaRPr lang="pt-BR" sz="2400" dirty="0">
+              <a:solidFill>
+                <a:srgbClr val="FF0000"/>
+              </a:solidFill>
+              <a:effectLst>
+                <a:outerShdw blurRad="38100" dist="38100" dir="2700000" algn="tl">
+                  <a:srgbClr val="000000">
+                    <a:alpha val="43137"/>
+                  </a:srgbClr>
+                </a:outerShdw>
+              </a:effectLst>
+            </a:endParaRPr>
           </a:p>
         </p:txBody>
       </p:sp>
@@ -5205,30 +5740,6 @@
           </a:p>
         </p:txBody>
       </p:sp>
-      <p:pic>
-        <p:nvPicPr>
-          <p:cNvPr id="9" name="Imagem 8"/>
-          <p:cNvPicPr>
-            <a:picLocks noChangeAspect="1"/>
-          </p:cNvPicPr>
-          <p:nvPr/>
-        </p:nvPicPr>
-        <p:blipFill>
-          <a:blip r:embed="rId2"/>
-          <a:stretch>
-            <a:fillRect/>
-          </a:stretch>
-        </p:blipFill>
-        <p:spPr>
-          <a:xfrm>
-            <a:off x="401981" y="914070"/>
-            <a:ext cx="6453241" cy="5142547"/>
-          </a:xfrm>
-          <a:prstGeom prst="rect">
-            <a:avLst/>
-          </a:prstGeom>
-        </p:spPr>
-      </p:pic>
       <p:sp>
         <p:nvSpPr>
           <p:cNvPr id="10" name="Espaço Reservado para Conteúdo 2">
@@ -5446,7 +5957,7 @@
           <p:nvPr/>
         </p:nvPicPr>
         <p:blipFill>
-          <a:blip r:embed="rId3"/>
+          <a:blip r:embed="rId2"/>
           <a:stretch>
             <a:fillRect/>
           </a:stretch>
@@ -5872,7 +6383,108 @@
               <a:rPr lang="pt-BR" sz="1400" dirty="0"/>
               <a:t>\Connection.ini</a:t>
             </a:r>
-            <a:endParaRPr lang="pt-BR" sz="1400" dirty="0"/>
+          </a:p>
+        </p:txBody>
+      </p:sp>
+      <p:pic>
+        <p:nvPicPr>
+          <p:cNvPr id="3" name="Imagem 2"/>
+          <p:cNvPicPr>
+            <a:picLocks noChangeAspect="1"/>
+          </p:cNvPicPr>
+          <p:nvPr/>
+        </p:nvPicPr>
+        <p:blipFill>
+          <a:blip r:embed="rId3"/>
+          <a:stretch>
+            <a:fillRect/>
+          </a:stretch>
+        </p:blipFill>
+        <p:spPr>
+          <a:xfrm>
+            <a:off x="375430" y="917952"/>
+            <a:ext cx="6367420" cy="5187982"/>
+          </a:xfrm>
+          <a:prstGeom prst="rect">
+            <a:avLst/>
+          </a:prstGeom>
+        </p:spPr>
+      </p:pic>
+      <p:sp>
+        <p:nvSpPr>
+          <p:cNvPr id="14" name="Título 1">
+            <a:extLst>
+              <a:ext uri="{FF2B5EF4-FFF2-40B4-BE49-F238E27FC236}">
+                <a16:creationId xmlns:a16="http://schemas.microsoft.com/office/drawing/2014/main" id="{858AF4F4-6BA4-46DA-BD44-B2171C092AD3}"/>
+              </a:ext>
+            </a:extLst>
+          </p:cNvPr>
+          <p:cNvSpPr txBox="1">
+            <a:spLocks/>
+          </p:cNvSpPr>
+          <p:nvPr/>
+        </p:nvSpPr>
+        <p:spPr>
+          <a:xfrm>
+            <a:off x="6941916" y="6450678"/>
+            <a:ext cx="2847704" cy="457200"/>
+          </a:xfrm>
+          <a:prstGeom prst="rect">
+            <a:avLst/>
+          </a:prstGeom>
+        </p:spPr>
+        <p:txBody>
+          <a:bodyPr anchor="b">
+            <a:noAutofit/>
+          </a:bodyPr>
+          <a:lstStyle>
+            <a:lvl1pPr algn="l" defTabSz="914400" rtl="0" eaLnBrk="1" latinLnBrk="0" hangingPunct="1">
+              <a:lnSpc>
+                <a:spcPct val="90000"/>
+              </a:lnSpc>
+              <a:spcBef>
+                <a:spcPct val="0"/>
+              </a:spcBef>
+              <a:buNone/>
+              <a:defRPr sz="5000" b="1" kern="1200">
+                <a:solidFill>
+                  <a:srgbClr val="12B1EB"/>
+                </a:solidFill>
+                <a:latin typeface="Century Gothic" panose="020B0502020202020204" pitchFamily="34" charset="0"/>
+                <a:ea typeface="+mj-ea"/>
+                <a:cs typeface="+mj-cs"/>
+              </a:defRPr>
+            </a:lvl1pPr>
+          </a:lstStyle>
+          <a:p>
+            <a:pPr algn="r"/>
+            <a:r>
+              <a:rPr lang="pt-BR" sz="2400" dirty="0" smtClean="0">
+                <a:solidFill>
+                  <a:srgbClr val="FF0000"/>
+                </a:solidFill>
+                <a:effectLst>
+                  <a:outerShdw blurRad="38100" dist="38100" dir="2700000" algn="tl">
+                    <a:srgbClr val="000000">
+                      <a:alpha val="43137"/>
+                    </a:srgbClr>
+                  </a:outerShdw>
+                </a:effectLst>
+              </a:rPr>
+              <a:t>Marcelo Jaloto</a:t>
+            </a:r>
+            <a:endParaRPr lang="pt-BR" sz="2400" dirty="0">
+              <a:solidFill>
+                <a:srgbClr val="FF0000"/>
+              </a:solidFill>
+              <a:effectLst>
+                <a:outerShdw blurRad="38100" dist="38100" dir="2700000" algn="tl">
+                  <a:srgbClr val="000000">
+                    <a:alpha val="43137"/>
+                  </a:srgbClr>
+                </a:outerShdw>
+              </a:effectLst>
+            </a:endParaRPr>
           </a:p>
         </p:txBody>
       </p:sp>
@@ -5929,7 +6541,7 @@
         </p:nvSpPr>
         <p:spPr>
           <a:xfrm>
-            <a:off x="9344296" y="6400800"/>
+            <a:off x="6941916" y="6450678"/>
             <a:ext cx="2847704" cy="457200"/>
           </a:xfrm>
           <a:prstGeom prst="rect">
@@ -6646,6 +7258,12 @@
 </file>
 
 <file path=customXml/item2.xml><?xml version="1.0" encoding="utf-8"?>
+<p:properties xmlns:p="http://schemas.microsoft.com/office/2006/metadata/properties" xmlns:xsi="http://www.w3.org/2001/XMLSchema-instance" xmlns:pc="http://schemas.microsoft.com/office/infopath/2007/PartnerControls">
+  <documentManagement/>
+</p:properties>
+</file>
+
+<file path=customXml/item3.xml><?xml version="1.0" encoding="utf-8"?>
 <ct:contentTypeSchema xmlns:ct="http://schemas.microsoft.com/office/2006/metadata/contentType" xmlns:ma="http://schemas.microsoft.com/office/2006/metadata/properties/metaAttributes" ct:_="" ma:_="" ma:contentTypeName="Documento" ma:contentTypeID="0x010100CD9438EC9C5993469CF61A1F46C57B83" ma:contentTypeVersion="10" ma:contentTypeDescription="Crie um novo documento." ma:contentTypeScope="" ma:versionID="62080b6bd8e6f4b26a868cd797796634">
   <xsd:schema xmlns:xsd="http://www.w3.org/2001/XMLSchema" xmlns:xs="http://www.w3.org/2001/XMLSchema" xmlns:p="http://schemas.microsoft.com/office/2006/metadata/properties" xmlns:ns3="35a886c1-c068-49eb-8a69-44d892a80394" targetNamespace="http://schemas.microsoft.com/office/2006/metadata/properties" ma:root="true" ma:fieldsID="a47701105542557c98ccc6d374aa4798" ns3:_="">
     <xsd:import namespace="35a886c1-c068-49eb-8a69-44d892a80394"/>
@@ -6829,12 +7447,6 @@
 </ct:contentTypeSchema>
 </file>
 
-<file path=customXml/item3.xml><?xml version="1.0" encoding="utf-8"?>
-<p:properties xmlns:p="http://schemas.microsoft.com/office/2006/metadata/properties" xmlns:xsi="http://www.w3.org/2001/XMLSchema-instance" xmlns:pc="http://schemas.microsoft.com/office/infopath/2007/PartnerControls">
-  <documentManagement/>
-</p:properties>
-</file>
-
 <file path=customXml/itemProps1.xml><?xml version="1.0" encoding="utf-8"?>
 <ds:datastoreItem xmlns:ds="http://schemas.openxmlformats.org/officeDocument/2006/customXml" ds:itemID="{74453037-89E6-495B-97DC-7EFBB7414780}">
   <ds:schemaRefs>
@@ -6844,6 +7456,22 @@
 </file>
 
 <file path=customXml/itemProps2.xml><?xml version="1.0" encoding="utf-8"?>
+<ds:datastoreItem xmlns:ds="http://schemas.openxmlformats.org/officeDocument/2006/customXml" ds:itemID="{FC13E19B-D56E-4327-A7E7-9A2C893B5877}">
+  <ds:schemaRefs>
+    <ds:schemaRef ds:uri="http://www.w3.org/XML/1998/namespace"/>
+    <ds:schemaRef ds:uri="http://purl.org/dc/dcmitype/"/>
+    <ds:schemaRef ds:uri="35a886c1-c068-49eb-8a69-44d892a80394"/>
+    <ds:schemaRef ds:uri="http://schemas.microsoft.com/office/infopath/2007/PartnerControls"/>
+    <ds:schemaRef ds:uri="http://schemas.microsoft.com/office/2006/documentManagement/types"/>
+    <ds:schemaRef ds:uri="http://purl.org/dc/terms/"/>
+    <ds:schemaRef ds:uri="http://purl.org/dc/elements/1.1/"/>
+    <ds:schemaRef ds:uri="http://schemas.openxmlformats.org/package/2006/metadata/core-properties"/>
+    <ds:schemaRef ds:uri="http://schemas.microsoft.com/office/2006/metadata/properties"/>
+  </ds:schemaRefs>
+</ds:datastoreItem>
+</file>
+
+<file path=customXml/itemProps3.xml><?xml version="1.0" encoding="utf-8"?>
 <ds:datastoreItem xmlns:ds="http://schemas.openxmlformats.org/officeDocument/2006/customXml" ds:itemID="{2DCA0572-8200-4C6D-ADE1-517BB2689EB3}">
   <ds:schemaRefs>
     <ds:schemaRef ds:uri="http://schemas.microsoft.com/office/2006/metadata/contentType"/>
@@ -6859,20 +7487,4 @@
     <ds:schemaRef ds:uri="http://schemas.microsoft.com/internal/obd"/>
   </ds:schemaRefs>
 </ds:datastoreItem>
-</file>
-
-<file path=customXml/itemProps3.xml><?xml version="1.0" encoding="utf-8"?>
-<ds:datastoreItem xmlns:ds="http://schemas.openxmlformats.org/officeDocument/2006/customXml" ds:itemID="{FC13E19B-D56E-4327-A7E7-9A2C893B5877}">
-  <ds:schemaRefs>
-    <ds:schemaRef ds:uri="http://www.w3.org/XML/1998/namespace"/>
-    <ds:schemaRef ds:uri="http://purl.org/dc/dcmitype/"/>
-    <ds:schemaRef ds:uri="35a886c1-c068-49eb-8a69-44d892a80394"/>
-    <ds:schemaRef ds:uri="http://schemas.microsoft.com/office/infopath/2007/PartnerControls"/>
-    <ds:schemaRef ds:uri="http://schemas.microsoft.com/office/2006/documentManagement/types"/>
-    <ds:schemaRef ds:uri="http://purl.org/dc/terms/"/>
-    <ds:schemaRef ds:uri="http://purl.org/dc/elements/1.1/"/>
-    <ds:schemaRef ds:uri="http://schemas.openxmlformats.org/package/2006/metadata/core-properties"/>
-    <ds:schemaRef ds:uri="http://schemas.microsoft.com/office/2006/metadata/properties"/>
-  </ds:schemaRefs>
-</ds:datastoreItem>
 </file>